--- a/Anaconda安裝教學.pptx
+++ b/Anaconda安裝教學.pptx
@@ -18,6 +18,7 @@
     <p:sldId id="267" r:id="rId12"/>
     <p:sldId id="268" r:id="rId13"/>
     <p:sldId id="269" r:id="rId14"/>
+    <p:sldId id="270" r:id="rId15"/>
   </p:sldIdLst>
   <p:sldSz cx="12192000" cy="6858000"/>
   <p:notesSz cx="6858000" cy="9144000"/>
@@ -116,6 +117,11 @@
       </a:defRPr>
     </a:lvl9pPr>
   </p:defaultTextStyle>
+  <p:extLst>
+    <p:ext uri="{EFAFB233-063F-42B5-8137-9DF3F51BA10A}">
+      <p15:sldGuideLst xmlns:p15="http://schemas.microsoft.com/office/powerpoint/2012/main"/>
+    </p:ext>
+  </p:extLst>
 </p:presentation>
 </file>
 
@@ -333,7 +339,7 @@
           <a:p>
             <a:fld id="{D204E5D3-3969-43F0-9DD9-5C62E82EE5A8}" type="datetimeFigureOut">
               <a:rPr lang="zh-TW" altLang="en-US" smtClean="0"/>
-              <a:t>2017/3/5</a:t>
+              <a:t>2017/3/8</a:t>
             </a:fld>
             <a:endParaRPr lang="zh-TW" altLang="en-US"/>
           </a:p>
@@ -671,7 +677,7 @@
           <a:p>
             <a:fld id="{D204E5D3-3969-43F0-9DD9-5C62E82EE5A8}" type="datetimeFigureOut">
               <a:rPr lang="zh-TW" altLang="en-US" smtClean="0"/>
-              <a:t>2017/3/5</a:t>
+              <a:t>2017/3/8</a:t>
             </a:fld>
             <a:endParaRPr lang="zh-TW" altLang="en-US"/>
           </a:p>
@@ -1072,7 +1078,7 @@
           <a:p>
             <a:fld id="{D204E5D3-3969-43F0-9DD9-5C62E82EE5A8}" type="datetimeFigureOut">
               <a:rPr lang="zh-TW" altLang="en-US" smtClean="0"/>
-              <a:t>2017/3/5</a:t>
+              <a:t>2017/3/8</a:t>
             </a:fld>
             <a:endParaRPr lang="zh-TW" altLang="en-US"/>
           </a:p>
@@ -1408,7 +1414,7 @@
           <a:p>
             <a:fld id="{D204E5D3-3969-43F0-9DD9-5C62E82EE5A8}" type="datetimeFigureOut">
               <a:rPr lang="zh-TW" altLang="en-US" smtClean="0"/>
-              <a:t>2017/3/5</a:t>
+              <a:t>2017/3/8</a:t>
             </a:fld>
             <a:endParaRPr lang="zh-TW" altLang="en-US"/>
           </a:p>
@@ -1728,7 +1734,7 @@
           <a:p>
             <a:fld id="{D204E5D3-3969-43F0-9DD9-5C62E82EE5A8}" type="datetimeFigureOut">
               <a:rPr lang="zh-TW" altLang="en-US" smtClean="0"/>
-              <a:t>2017/3/5</a:t>
+              <a:t>2017/3/8</a:t>
             </a:fld>
             <a:endParaRPr lang="zh-TW" altLang="en-US"/>
           </a:p>
@@ -2124,7 +2130,7 @@
           <a:p>
             <a:fld id="{D204E5D3-3969-43F0-9DD9-5C62E82EE5A8}" type="datetimeFigureOut">
               <a:rPr lang="zh-TW" altLang="en-US" smtClean="0"/>
-              <a:t>2017/3/5</a:t>
+              <a:t>2017/3/8</a:t>
             </a:fld>
             <a:endParaRPr lang="zh-TW" altLang="en-US"/>
           </a:p>
@@ -2381,7 +2387,7 @@
           <a:p>
             <a:fld id="{D204E5D3-3969-43F0-9DD9-5C62E82EE5A8}" type="datetimeFigureOut">
               <a:rPr lang="zh-TW" altLang="en-US" smtClean="0"/>
-              <a:t>2017/3/5</a:t>
+              <a:t>2017/3/8</a:t>
             </a:fld>
             <a:endParaRPr lang="zh-TW" altLang="en-US"/>
           </a:p>
@@ -2643,7 +2649,7 @@
           <a:p>
             <a:fld id="{D204E5D3-3969-43F0-9DD9-5C62E82EE5A8}" type="datetimeFigureOut">
               <a:rPr lang="zh-TW" altLang="en-US" smtClean="0"/>
-              <a:t>2017/3/5</a:t>
+              <a:t>2017/3/8</a:t>
             </a:fld>
             <a:endParaRPr lang="zh-TW" altLang="en-US"/>
           </a:p>
@@ -2905,7 +2911,7 @@
           <a:p>
             <a:fld id="{D204E5D3-3969-43F0-9DD9-5C62E82EE5A8}" type="datetimeFigureOut">
               <a:rPr lang="zh-TW" altLang="en-US" smtClean="0"/>
-              <a:t>2017/3/5</a:t>
+              <a:t>2017/3/8</a:t>
             </a:fld>
             <a:endParaRPr lang="zh-TW" altLang="en-US"/>
           </a:p>
@@ -3234,7 +3240,7 @@
           <a:p>
             <a:fld id="{D204E5D3-3969-43F0-9DD9-5C62E82EE5A8}" type="datetimeFigureOut">
               <a:rPr lang="zh-TW" altLang="en-US" smtClean="0"/>
-              <a:t>2017/3/5</a:t>
+              <a:t>2017/3/8</a:t>
             </a:fld>
             <a:endParaRPr lang="zh-TW" altLang="en-US"/>
           </a:p>
@@ -3557,7 +3563,7 @@
           <a:p>
             <a:fld id="{D204E5D3-3969-43F0-9DD9-5C62E82EE5A8}" type="datetimeFigureOut">
               <a:rPr lang="zh-TW" altLang="en-US" smtClean="0"/>
-              <a:t>2017/3/5</a:t>
+              <a:t>2017/3/8</a:t>
             </a:fld>
             <a:endParaRPr lang="zh-TW" altLang="en-US"/>
           </a:p>
@@ -4014,7 +4020,7 @@
           <a:p>
             <a:fld id="{D204E5D3-3969-43F0-9DD9-5C62E82EE5A8}" type="datetimeFigureOut">
               <a:rPr lang="zh-TW" altLang="en-US" smtClean="0"/>
-              <a:t>2017/3/5</a:t>
+              <a:t>2017/3/8</a:t>
             </a:fld>
             <a:endParaRPr lang="zh-TW" altLang="en-US"/>
           </a:p>
@@ -4219,7 +4225,7 @@
           <a:p>
             <a:fld id="{D204E5D3-3969-43F0-9DD9-5C62E82EE5A8}" type="datetimeFigureOut">
               <a:rPr lang="zh-TW" altLang="en-US" smtClean="0"/>
-              <a:t>2017/3/5</a:t>
+              <a:t>2017/3/8</a:t>
             </a:fld>
             <a:endParaRPr lang="zh-TW" altLang="en-US"/>
           </a:p>
@@ -4396,7 +4402,7 @@
           <a:p>
             <a:fld id="{D204E5D3-3969-43F0-9DD9-5C62E82EE5A8}" type="datetimeFigureOut">
               <a:rPr lang="zh-TW" altLang="en-US" smtClean="0"/>
-              <a:t>2017/3/5</a:t>
+              <a:t>2017/3/8</a:t>
             </a:fld>
             <a:endParaRPr lang="zh-TW" altLang="en-US"/>
           </a:p>
@@ -4729,7 +4735,7 @@
           <a:p>
             <a:fld id="{D204E5D3-3969-43F0-9DD9-5C62E82EE5A8}" type="datetimeFigureOut">
               <a:rPr lang="zh-TW" altLang="en-US" smtClean="0"/>
-              <a:t>2017/3/5</a:t>
+              <a:t>2017/3/8</a:t>
             </a:fld>
             <a:endParaRPr lang="zh-TW" altLang="en-US"/>
           </a:p>
@@ -5074,7 +5080,7 @@
           <a:p>
             <a:fld id="{D204E5D3-3969-43F0-9DD9-5C62E82EE5A8}" type="datetimeFigureOut">
               <a:rPr lang="zh-TW" altLang="en-US" smtClean="0"/>
-              <a:t>2017/3/5</a:t>
+              <a:t>2017/3/8</a:t>
             </a:fld>
             <a:endParaRPr lang="zh-TW" altLang="en-US"/>
           </a:p>
@@ -7191,7 +7197,7 @@
           <a:p>
             <a:fld id="{D204E5D3-3969-43F0-9DD9-5C62E82EE5A8}" type="datetimeFigureOut">
               <a:rPr lang="zh-TW" altLang="en-US" smtClean="0"/>
-              <a:t>2017/3/5</a:t>
+              <a:t>2017/3/8</a:t>
             </a:fld>
             <a:endParaRPr lang="zh-TW" altLang="en-US"/>
           </a:p>
@@ -7748,10 +7754,29 @@
         </p:nvSpPr>
         <p:spPr/>
         <p:txBody>
-          <a:bodyPr/>
+          <a:bodyPr>
+            <a:normAutofit lnSpcReduction="10000"/>
+          </a:bodyPr>
           <a:lstStyle/>
           <a:p>
-            <a:endParaRPr lang="zh-TW" altLang="en-US"/>
+            <a:pPr algn="r"/>
+            <a:endParaRPr lang="en-US" altLang="zh-TW" dirty="0" smtClean="0"/>
+          </a:p>
+          <a:p>
+            <a:pPr algn="r"/>
+            <a:endParaRPr lang="en-US" altLang="zh-TW"/>
+          </a:p>
+          <a:p>
+            <a:pPr algn="r"/>
+            <a:r>
+              <a:rPr lang="zh-TW" altLang="en-US" smtClean="0"/>
+              <a:t>中興</a:t>
+            </a:r>
+            <a:r>
+              <a:rPr lang="zh-TW" altLang="en-US" dirty="0" smtClean="0"/>
+              <a:t>大學 資訊管理所 方彥均</a:t>
+            </a:r>
+            <a:endParaRPr lang="zh-TW" altLang="en-US" dirty="0"/>
           </a:p>
         </p:txBody>
       </p:sp>
@@ -8486,6 +8511,214 @@
   <p:clrMapOvr>
     <a:masterClrMapping/>
   </p:clrMapOvr>
+  <p:timing>
+    <p:tnLst>
+      <p:par>
+        <p:cTn id="1" dur="indefinite" restart="never" nodeType="tmRoot"/>
+      </p:par>
+    </p:tnLst>
+  </p:timing>
+</p:sld>
+</file>
+
+<file path=ppt/slides/slide14.xml><?xml version="1.0" encoding="utf-8"?>
+<p:sld xmlns:a="http://schemas.openxmlformats.org/drawingml/2006/main" xmlns:r="http://schemas.openxmlformats.org/officeDocument/2006/relationships" xmlns:p="http://schemas.openxmlformats.org/presentationml/2006/main">
+  <p:cSld>
+    <p:spTree>
+      <p:nvGrpSpPr>
+        <p:cNvPr id="1" name=""/>
+        <p:cNvGrpSpPr/>
+        <p:nvPr/>
+      </p:nvGrpSpPr>
+      <p:grpSpPr>
+        <a:xfrm>
+          <a:off x="0" y="0"/>
+          <a:ext cx="0" cy="0"/>
+          <a:chOff x="0" y="0"/>
+          <a:chExt cx="0" cy="0"/>
+        </a:xfrm>
+      </p:grpSpPr>
+      <p:sp>
+        <p:nvSpPr>
+          <p:cNvPr id="2" name="標題 1"/>
+          <p:cNvSpPr>
+            <a:spLocks noGrp="1"/>
+          </p:cNvSpPr>
+          <p:nvPr>
+            <p:ph type="title"/>
+          </p:nvPr>
+        </p:nvSpPr>
+        <p:spPr>
+          <a:xfrm>
+            <a:off x="2592925" y="624110"/>
+            <a:ext cx="8911687" cy="650775"/>
+          </a:xfrm>
+        </p:spPr>
+        <p:txBody>
+          <a:bodyPr/>
+          <a:lstStyle/>
+          <a:p>
+            <a:pPr algn="ctr"/>
+            <a:r>
+              <a:rPr lang="zh-TW" altLang="en-US" b="1" dirty="0" smtClean="0"/>
+              <a:t>在</a:t>
+            </a:r>
+            <a:r>
+              <a:rPr lang="en-US" altLang="zh-TW" b="1" dirty="0" smtClean="0"/>
+              <a:t>CMD</a:t>
+            </a:r>
+            <a:r>
+              <a:rPr lang="zh-TW" altLang="en-US" b="1" dirty="0" smtClean="0"/>
+              <a:t>輸入</a:t>
+            </a:r>
+            <a:endParaRPr lang="zh-TW" altLang="en-US" b="1" dirty="0"/>
+          </a:p>
+        </p:txBody>
+      </p:sp>
+      <p:sp>
+        <p:nvSpPr>
+          <p:cNvPr id="3" name="內容版面配置區 2"/>
+          <p:cNvSpPr>
+            <a:spLocks noGrp="1"/>
+          </p:cNvSpPr>
+          <p:nvPr>
+            <p:ph idx="1"/>
+          </p:nvPr>
+        </p:nvSpPr>
+        <p:spPr>
+          <a:xfrm>
+            <a:off x="2592925" y="1781908"/>
+            <a:ext cx="8915400" cy="3777622"/>
+          </a:xfrm>
+        </p:spPr>
+        <p:txBody>
+          <a:bodyPr/>
+          <a:lstStyle/>
+          <a:p>
+            <a:r>
+              <a:rPr lang="en-US" altLang="zh-TW" sz="2800" dirty="0" smtClean="0"/>
+              <a:t>Install new package</a:t>
+            </a:r>
+          </a:p>
+          <a:p>
+            <a:pPr marL="0" indent="0">
+              <a:buNone/>
+            </a:pPr>
+            <a:r>
+              <a:rPr lang="en-US" altLang="zh-TW" sz="2800" dirty="0" smtClean="0"/>
+              <a:t>     </a:t>
+            </a:r>
+            <a:r>
+              <a:rPr lang="en-US" altLang="zh-TW" sz="2800" dirty="0" err="1" smtClean="0"/>
+              <a:t>conda</a:t>
+            </a:r>
+            <a:r>
+              <a:rPr lang="en-US" altLang="zh-TW" sz="2800" dirty="0" smtClean="0"/>
+              <a:t> </a:t>
+            </a:r>
+            <a:r>
+              <a:rPr lang="en-US" altLang="zh-TW" sz="2800" dirty="0"/>
+              <a:t>install </a:t>
+            </a:r>
+            <a:r>
+              <a:rPr lang="en-US" altLang="zh-TW" sz="2800" dirty="0" smtClean="0"/>
+              <a:t>[</a:t>
+            </a:r>
+            <a:r>
+              <a:rPr lang="en-US" altLang="zh-TW" sz="2800" dirty="0" err="1" smtClean="0"/>
+              <a:t>pakeage</a:t>
+            </a:r>
+            <a:r>
+              <a:rPr lang="en-US" altLang="zh-TW" sz="2800" dirty="0" smtClean="0"/>
+              <a:t> name]</a:t>
+            </a:r>
+            <a:endParaRPr lang="en-US" altLang="zh-TW" sz="2800" dirty="0"/>
+          </a:p>
+          <a:p>
+            <a:r>
+              <a:rPr lang="en-US" altLang="zh-TW" sz="2800" dirty="0" smtClean="0"/>
+              <a:t>Update package </a:t>
+            </a:r>
+          </a:p>
+          <a:p>
+            <a:pPr marL="0" indent="0">
+              <a:buNone/>
+            </a:pPr>
+            <a:r>
+              <a:rPr lang="en-US" altLang="zh-TW" sz="2800" dirty="0" smtClean="0"/>
+              <a:t>     </a:t>
+            </a:r>
+            <a:r>
+              <a:rPr lang="en-US" altLang="zh-TW" sz="2800" dirty="0" err="1" smtClean="0"/>
+              <a:t>conda</a:t>
+            </a:r>
+            <a:r>
+              <a:rPr lang="en-US" altLang="zh-TW" sz="2800" dirty="0" smtClean="0"/>
+              <a:t> </a:t>
+            </a:r>
+            <a:r>
+              <a:rPr lang="en-US" altLang="zh-TW" sz="2800" dirty="0"/>
+              <a:t>update [package name</a:t>
+            </a:r>
+            <a:r>
+              <a:rPr lang="en-US" altLang="zh-TW" sz="2800" dirty="0" smtClean="0"/>
+              <a:t>]</a:t>
+            </a:r>
+          </a:p>
+          <a:p>
+            <a:r>
+              <a:rPr lang="en-US" altLang="zh-TW" sz="2800" dirty="0" smtClean="0"/>
+              <a:t>Update all package</a:t>
+            </a:r>
+          </a:p>
+          <a:p>
+            <a:pPr marL="0" indent="0">
+              <a:buNone/>
+            </a:pPr>
+            <a:r>
+              <a:rPr lang="en-US" altLang="zh-TW" sz="2800" dirty="0" smtClean="0"/>
+              <a:t>      </a:t>
+            </a:r>
+            <a:r>
+              <a:rPr lang="en-US" altLang="zh-TW" sz="2800" dirty="0" err="1" smtClean="0"/>
+              <a:t>conda</a:t>
+            </a:r>
+            <a:r>
+              <a:rPr lang="en-US" altLang="zh-TW" sz="2800" dirty="0" smtClean="0"/>
+              <a:t> update --all</a:t>
+            </a:r>
+          </a:p>
+          <a:p>
+            <a:endParaRPr lang="en-US" altLang="zh-TW" dirty="0" smtClean="0"/>
+          </a:p>
+          <a:p>
+            <a:pPr marL="0" indent="0">
+              <a:buNone/>
+            </a:pPr>
+            <a:endParaRPr lang="en-US" altLang="zh-TW" dirty="0" smtClean="0"/>
+          </a:p>
+          <a:p>
+            <a:endParaRPr lang="zh-TW" altLang="en-US" dirty="0"/>
+          </a:p>
+        </p:txBody>
+      </p:sp>
+    </p:spTree>
+    <p:extLst>
+      <p:ext uri="{BB962C8B-B14F-4D97-AF65-F5344CB8AC3E}">
+        <p14:creationId xmlns:p14="http://schemas.microsoft.com/office/powerpoint/2010/main" val="1060917949"/>
+      </p:ext>
+    </p:extLst>
+  </p:cSld>
+  <p:clrMapOvr>
+    <a:masterClrMapping/>
+  </p:clrMapOvr>
+  <p:timing>
+    <p:tnLst>
+      <p:par>
+        <p:cTn id="1" dur="indefinite" restart="never" nodeType="tmRoot"/>
+      </p:par>
+    </p:tnLst>
+  </p:timing>
 </p:sld>
 </file>
 
